--- a/SOLID PRINCIPLES.pptx
+++ b/SOLID PRINCIPLES.pptx
@@ -16,7 +16,7 @@
   <p:sldIdLst>
     <p:sldId id="446" r:id="rId5"/>
     <p:sldId id="427" r:id="rId6"/>
-    <p:sldId id="426" r:id="rId7"/>
+    <p:sldId id="464" r:id="rId7"/>
     <p:sldId id="447" r:id="rId8"/>
     <p:sldId id="448" r:id="rId9"/>
     <p:sldId id="449" r:id="rId10"/>
@@ -287,7 +287,7 @@
           <a:p>
             <a:fld id="{E54A69E4-EFBB-4687-8058-A94EE1B5781B}" type="datetimeFigureOut">
               <a:rPr lang="en-US" smtClean="0"/>
-              <a:t>29/06/2022</a:t>
+              <a:t>6/29/2022</a:t>
             </a:fld>
             <a:endParaRPr lang="en-US" dirty="0"/>
           </a:p>
@@ -464,7 +464,7 @@
           <a:p>
             <a:fld id="{CDE546B2-EB9C-4E9C-8793-C25F32D58B9A}" type="datetimeFigureOut">
               <a:rPr lang="en-US" smtClean="0"/>
-              <a:t>29/06/2022</a:t>
+              <a:t>6/29/2022</a:t>
             </a:fld>
             <a:endParaRPr lang="en-US" dirty="0"/>
           </a:p>
@@ -5138,7 +5138,7 @@
           <a:p>
             <a:fld id="{8F310904-DE8F-4B8E-99C6-5AFA03672FFA}" type="datetimeFigureOut">
               <a:rPr lang="en-US" smtClean="0"/>
-              <a:t>29/06/2022</a:t>
+              <a:t>6/29/2022</a:t>
             </a:fld>
             <a:endParaRPr lang="en-US" dirty="0"/>
           </a:p>
@@ -5669,7 +5669,7 @@
           <a:p>
             <a:fld id="{8F310904-DE8F-4B8E-99C6-5AFA03672FFA}" type="datetimeFigureOut">
               <a:rPr lang="en-US" smtClean="0"/>
-              <a:t>29/06/2022</a:t>
+              <a:t>6/29/2022</a:t>
             </a:fld>
             <a:endParaRPr lang="en-US" dirty="0"/>
           </a:p>
@@ -6197,7 +6197,7 @@
           <a:p>
             <a:fld id="{8F310904-DE8F-4B8E-99C6-5AFA03672FFA}" type="datetimeFigureOut">
               <a:rPr lang="en-US" smtClean="0"/>
-              <a:t>29/06/2022</a:t>
+              <a:t>6/29/2022</a:t>
             </a:fld>
             <a:endParaRPr lang="en-US" dirty="0"/>
           </a:p>
@@ -6725,7 +6725,7 @@
           <a:p>
             <a:fld id="{8F310904-DE8F-4B8E-99C6-5AFA03672FFA}" type="datetimeFigureOut">
               <a:rPr lang="en-US" smtClean="0"/>
-              <a:t>29/06/2022</a:t>
+              <a:t>6/29/2022</a:t>
             </a:fld>
             <a:endParaRPr lang="en-US" dirty="0"/>
           </a:p>
@@ -7344,10 +7344,10 @@
           <a:lstStyle/>
           <a:p>
             <a:r>
-              <a:rPr lang="en-US" dirty="0"/>
+              <a:rPr lang="en-US" b="1" dirty="0"/>
               <a:t>OPEN /CLOSED PRINCIPLE</a:t>
             </a:r>
-            <a:endParaRPr lang="en-IN" b="0" i="0" dirty="0">
+            <a:endParaRPr lang="en-IN" b="1" i="0" dirty="0">
               <a:effectLst/>
               <a:latin typeface="Segoe UI" panose="020B0502040204020203" pitchFamily="34" charset="0"/>
             </a:endParaRPr>
@@ -7735,10 +7735,10 @@
           <a:lstStyle/>
           <a:p>
             <a:r>
-              <a:rPr lang="en-US" dirty="0"/>
+              <a:rPr lang="en-US" b="1" dirty="0"/>
               <a:t>LISKOV SUBSTITUTION PRINCIPLE</a:t>
             </a:r>
-            <a:endParaRPr lang="en-IN" b="0" i="0" dirty="0">
+            <a:endParaRPr lang="en-IN" b="1" i="0" dirty="0">
               <a:effectLst/>
               <a:latin typeface="Segoe UI" panose="020B0502040204020203" pitchFamily="34" charset="0"/>
             </a:endParaRPr>
@@ -8152,10 +8152,10 @@
           <a:lstStyle/>
           <a:p>
             <a:r>
-              <a:rPr lang="en-US" dirty="0"/>
+              <a:rPr lang="en-US" b="1" dirty="0"/>
               <a:t>INTERFACE SEGREGATION PRINCIPLE</a:t>
             </a:r>
-            <a:endParaRPr lang="en-IN" b="0" i="0" dirty="0">
+            <a:endParaRPr lang="en-IN" b="1" i="0" dirty="0">
               <a:effectLst/>
               <a:latin typeface="Segoe UI" panose="020B0502040204020203" pitchFamily="34" charset="0"/>
             </a:endParaRPr>
@@ -8486,10 +8486,10 @@
           <a:lstStyle/>
           <a:p>
             <a:r>
-              <a:rPr lang="en-US" dirty="0"/>
+              <a:rPr lang="en-US" b="1" dirty="0"/>
               <a:t>DEPENDENCY INVERSION PRINCIPLE</a:t>
             </a:r>
-            <a:endParaRPr lang="en-IN" b="0" i="0" dirty="0">
+            <a:endParaRPr lang="en-IN" b="1" i="0" dirty="0">
               <a:effectLst/>
               <a:latin typeface="Segoe UI" panose="020B0502040204020203" pitchFamily="34" charset="0"/>
             </a:endParaRPr>
@@ -8932,7 +8932,7 @@
         <p:spPr>
           <a:xfrm>
             <a:off x="457199" y="327171"/>
-            <a:ext cx="3619501" cy="1949685"/>
+            <a:ext cx="3797301" cy="1949685"/>
           </a:xfrm>
         </p:spPr>
         <p:txBody>
@@ -8943,7 +8943,7 @@
           <a:p>
             <a:r>
               <a:rPr lang="en-US" b="1" dirty="0"/>
-              <a:t>SOFTWARE DESIGN PRINCIPLE and DESIGN Pattern</a:t>
+              <a:t>SOFTWARE DESIGN PRINCIPLEs and Patterns</a:t>
             </a:r>
           </a:p>
         </p:txBody>
@@ -8975,6 +8975,16 @@
             <a:noAutofit/>
           </a:bodyPr>
           <a:lstStyle/>
+          <a:p>
+            <a:pPr algn="just"/>
+            <a:endParaRPr lang="en-US" b="0" i="0" dirty="0">
+              <a:solidFill>
+                <a:schemeClr val="tx2"/>
+              </a:solidFill>
+              <a:effectLst/>
+              <a:latin typeface="Verdana" panose="020B0604030504040204" pitchFamily="34" charset="0"/>
+            </a:endParaRPr>
+          </a:p>
           <a:p>
             <a:pPr algn="just"/>
             <a:r>
@@ -9086,10 +9096,10 @@
       </p:sp>
       <p:pic>
         <p:nvPicPr>
-          <p:cNvPr id="17" name="Picture 16">
-            <a:extLst>
-              <a:ext uri="{FF2B5EF4-FFF2-40B4-BE49-F238E27FC236}">
-                <a16:creationId xmlns:a16="http://schemas.microsoft.com/office/drawing/2014/main" id="{7EC7C2C4-C0F4-5231-00B9-6F52FD203A25}"/>
+          <p:cNvPr id="4" name="Picture 3">
+            <a:extLst>
+              <a:ext uri="{FF2B5EF4-FFF2-40B4-BE49-F238E27FC236}">
+                <a16:creationId xmlns:a16="http://schemas.microsoft.com/office/drawing/2014/main" id="{FA8DD419-0B39-B84D-9C2D-661F8034DE11}"/>
               </a:ext>
             </a:extLst>
           </p:cNvPr>
@@ -9106,8 +9116,8 @@
         </p:blipFill>
         <p:spPr>
           <a:xfrm>
-            <a:off x="4254500" y="679216"/>
-            <a:ext cx="7747000" cy="5962884"/>
+            <a:off x="4428688" y="2407159"/>
+            <a:ext cx="6858000" cy="3419475"/>
           </a:xfrm>
           <a:prstGeom prst="rect">
             <a:avLst/>
@@ -9172,7 +9182,7 @@
           <a:p>
             <a:r>
               <a:rPr lang="en-US" b="1" dirty="0"/>
-              <a:t>DESIGN PRINCIPLE </a:t>
+              <a:t>DESIGN PRINCIPLEs </a:t>
             </a:r>
           </a:p>
         </p:txBody>
@@ -9196,7 +9206,7 @@
         <p:spPr>
           <a:xfrm>
             <a:off x="457199" y="3072384"/>
-            <a:ext cx="6170103" cy="2871216"/>
+            <a:ext cx="6170103" cy="3546530"/>
           </a:xfrm>
         </p:spPr>
         <p:txBody>
@@ -9212,7 +9222,30 @@
                 <a:effectLst/>
                 <a:latin typeface="Verdana" panose="020B0604030504040204" pitchFamily="34" charset="0"/>
               </a:rPr>
-              <a:t>Design principles provide high level guidelines to design better software applications. They do not provide implementation guidelines and are not bound to any programming language. The SOLID (SRP, OCP, LSP, ISP, DIP) principles are one of the most popular sets of design principles.</a:t>
+              <a:t>Design principle is a framework for the designer to follow as good software practices. Design principles provide high level guidelines to design better software applications. They do not provide implementation guidelines and are not bound to any programming language. </a:t>
+            </a:r>
+          </a:p>
+          <a:p>
+            <a:pPr algn="just"/>
+            <a:endParaRPr lang="en-US" b="0" i="0" dirty="0">
+              <a:solidFill>
+                <a:schemeClr val="accent5"/>
+              </a:solidFill>
+              <a:effectLst/>
+              <a:latin typeface="Verdana" panose="020B0604030504040204" pitchFamily="34" charset="0"/>
+            </a:endParaRPr>
+          </a:p>
+          <a:p>
+            <a:pPr algn="just"/>
+            <a:r>
+              <a:rPr lang="en-US" b="0" i="0" dirty="0">
+                <a:solidFill>
+                  <a:schemeClr val="accent5"/>
+                </a:solidFill>
+                <a:effectLst/>
+                <a:latin typeface="Verdana" panose="020B0604030504040204" pitchFamily="34" charset="0"/>
+              </a:rPr>
+              <a:t>The SOLID (SRP, OCP, LSP, ISP, DIP) principles are one of the most popular sets of design principles.</a:t>
             </a:r>
           </a:p>
         </p:txBody>
@@ -9220,7 +9253,7 @@
     </p:spTree>
     <p:extLst>
       <p:ext uri="{BB962C8B-B14F-4D97-AF65-F5344CB8AC3E}">
-        <p14:creationId xmlns:p14="http://schemas.microsoft.com/office/powerpoint/2010/main" val="1646138950"/>
+        <p14:creationId xmlns:p14="http://schemas.microsoft.com/office/powerpoint/2010/main" val="3583957206"/>
       </p:ext>
     </p:extLst>
   </p:cSld>
@@ -9275,7 +9308,7 @@
           <a:p>
             <a:r>
               <a:rPr lang="en-US" b="1" dirty="0"/>
-              <a:t>DESIGN PATTERN</a:t>
+              <a:t>DESIGN PATTERNs</a:t>
             </a:r>
             <a:endParaRPr lang="en-IN" b="0" i="0" dirty="0">
               <a:effectLst/>
@@ -9319,7 +9352,7 @@
                 <a:effectLst/>
                 <a:latin typeface="Verdana" panose="020B0604030504040204" pitchFamily="34" charset="0"/>
               </a:rPr>
-              <a:t>Design Pattern provides low-level solutions related to implementation, of commonly occurring object-oriented problems. In other words, design pattern suggests a specific implementation for the specific object-oriented programming problem. </a:t>
+              <a:t>Design Patterns provides low-level solutions related to implementation, of commonly occurring object-oriented problems. In other words, design pattern suggests a specific implementation for the specific object-oriented programming problem. </a:t>
             </a:r>
           </a:p>
           <a:p>
@@ -9413,10 +9446,10 @@
           <a:lstStyle/>
           <a:p>
             <a:r>
-              <a:rPr lang="en-US" dirty="0"/>
+              <a:rPr lang="en-US" b="1" dirty="0"/>
               <a:t>Revisit INTERFACE</a:t>
             </a:r>
-            <a:endParaRPr lang="en-IN" b="0" i="0" dirty="0">
+            <a:endParaRPr lang="en-IN" b="1" i="0" dirty="0">
               <a:effectLst/>
               <a:latin typeface="Segoe UI" panose="020B0502040204020203" pitchFamily="34" charset="0"/>
             </a:endParaRPr>
@@ -9601,10 +9634,10 @@
           <a:lstStyle/>
           <a:p>
             <a:r>
-              <a:rPr lang="en-US" dirty="0"/>
+              <a:rPr lang="en-US" b="1" dirty="0"/>
               <a:t>REVISIT Abstraction</a:t>
             </a:r>
-            <a:endParaRPr lang="en-IN" b="0" i="0" dirty="0">
+            <a:endParaRPr lang="en-IN" b="1" i="0" dirty="0">
               <a:effectLst/>
               <a:latin typeface="Segoe UI" panose="020B0502040204020203" pitchFamily="34" charset="0"/>
             </a:endParaRPr>
@@ -9817,10 +9850,10 @@
           <a:lstStyle/>
           <a:p>
             <a:r>
-              <a:rPr lang="en-US" dirty="0"/>
+              <a:rPr lang="en-US" b="1" dirty="0"/>
               <a:t>SOLID PRINCIPLE</a:t>
             </a:r>
-            <a:endParaRPr lang="en-IN" b="0" i="0" dirty="0">
+            <a:endParaRPr lang="en-IN" b="1" i="0" dirty="0">
               <a:effectLst/>
               <a:latin typeface="Segoe UI" panose="020B0502040204020203" pitchFamily="34" charset="0"/>
             </a:endParaRPr>
@@ -9845,15 +9878,52 @@
         </p:nvSpPr>
         <p:spPr>
           <a:xfrm>
-            <a:off x="457200" y="3072384"/>
-            <a:ext cx="6212048" cy="3328416"/>
+            <a:off x="381699" y="2640154"/>
+            <a:ext cx="6212048" cy="3880145"/>
           </a:xfrm>
         </p:spPr>
         <p:txBody>
           <a:bodyPr/>
           <a:lstStyle/>
           <a:p>
-            <a:pPr marL="285750" indent="-285750">
+            <a:pPr algn="l"/>
+            <a:r>
+              <a:rPr lang="en-US" dirty="0">
+                <a:latin typeface="Segoe UI" panose="020B0502040204020203" pitchFamily="34" charset="0"/>
+                <a:cs typeface="Segoe UI" panose="020B0502040204020203" pitchFamily="34" charset="0"/>
+              </a:rPr>
+              <a:t>SOLID Design principles are Introduced by Robert. C. </a:t>
+            </a:r>
+            <a:r>
+              <a:rPr lang="en-US">
+                <a:latin typeface="Segoe UI" panose="020B0502040204020203" pitchFamily="34" charset="0"/>
+                <a:cs typeface="Segoe UI" panose="020B0502040204020203" pitchFamily="34" charset="0"/>
+              </a:rPr>
+              <a:t>Martin.</a:t>
+            </a:r>
+            <a:endParaRPr lang="en-US">
+              <a:solidFill>
+                <a:schemeClr val="accent5"/>
+              </a:solidFill>
+              <a:latin typeface="Verdana" panose="020B0604030504040204" pitchFamily="34" charset="0"/>
+              <a:ea typeface="Verdana" panose="020B0604030504040204" pitchFamily="34" charset="0"/>
+            </a:endParaRPr>
+          </a:p>
+          <a:p>
+            <a:pPr algn="l"/>
+            <a:r>
+              <a:rPr lang="en-US" dirty="0">
+                <a:solidFill>
+                  <a:schemeClr val="accent5"/>
+                </a:solidFill>
+                <a:latin typeface="Verdana" panose="020B0604030504040204" pitchFamily="34" charset="0"/>
+                <a:ea typeface="Verdana" panose="020B0604030504040204" pitchFamily="34" charset="0"/>
+              </a:rPr>
+              <a:t>The SOLID software principles will guide you to:</a:t>
+            </a:r>
+          </a:p>
+          <a:p>
+            <a:pPr marL="285750" indent="-285750" algn="l">
               <a:buFont typeface="Arial" panose="020B0604020202020204" pitchFamily="34" charset="0"/>
               <a:buChar char="•"/>
             </a:pPr>
@@ -9865,11 +9935,11 @@
                 <a:latin typeface="Verdana" panose="020B0604030504040204" pitchFamily="34" charset="0"/>
                 <a:ea typeface="Verdana" panose="020B0604030504040204" pitchFamily="34" charset="0"/>
               </a:rPr>
-              <a:t>S – SINGLE RESPONSIBILITY PRINCINPLE</a:t>
+              <a:t>Write code that’s easy to maintain.</a:t>
             </a:r>
           </a:p>
           <a:p>
-            <a:pPr marL="285750" indent="-285750">
+            <a:pPr marL="285750" indent="-285750" algn="l">
               <a:buFont typeface="Arial" panose="020B0604020202020204" pitchFamily="34" charset="0"/>
               <a:buChar char="•"/>
             </a:pPr>
@@ -9881,11 +9951,11 @@
                 <a:latin typeface="Verdana" panose="020B0604030504040204" pitchFamily="34" charset="0"/>
                 <a:ea typeface="Verdana" panose="020B0604030504040204" pitchFamily="34" charset="0"/>
               </a:rPr>
-              <a:t>O – OPEN CLOSED PRINCIPLE</a:t>
+              <a:t>Make it easier to extend the existing system.</a:t>
             </a:r>
           </a:p>
           <a:p>
-            <a:pPr marL="285750" indent="-285750">
+            <a:pPr marL="285750" indent="-285750" algn="l">
               <a:buFont typeface="Arial" panose="020B0604020202020204" pitchFamily="34" charset="0"/>
               <a:buChar char="•"/>
             </a:pPr>
@@ -9897,8 +9967,21 @@
                 <a:latin typeface="Verdana" panose="020B0604030504040204" pitchFamily="34" charset="0"/>
                 <a:ea typeface="Verdana" panose="020B0604030504040204" pitchFamily="34" charset="0"/>
               </a:rPr>
-              <a:t>L – LISKOV SUBSTITUTION PRINCIPLE</a:t>
+              <a:t>Write code that’s easy to read and understand.</a:t>
             </a:r>
+          </a:p>
+          <a:p>
+            <a:pPr marL="285750" indent="-285750">
+              <a:buFont typeface="Arial" panose="020B0604020202020204" pitchFamily="34" charset="0"/>
+              <a:buChar char="•"/>
+            </a:pPr>
+            <a:endParaRPr lang="en-US" dirty="0">
+              <a:solidFill>
+                <a:schemeClr val="accent5"/>
+              </a:solidFill>
+              <a:latin typeface="Verdana" panose="020B0604030504040204" pitchFamily="34" charset="0"/>
+              <a:ea typeface="Verdana" panose="020B0604030504040204" pitchFamily="34" charset="0"/>
+            </a:endParaRPr>
           </a:p>
           <a:p>
             <a:pPr marL="285750" indent="-285750">
@@ -9908,12 +9991,15 @@
             <a:r>
               <a:rPr lang="en-US" dirty="0">
                 <a:solidFill>
-                  <a:schemeClr val="accent5"/>
+                  <a:schemeClr val="tx2">
+                    <a:lumMod val="20000"/>
+                    <a:lumOff val="80000"/>
+                  </a:schemeClr>
                 </a:solidFill>
                 <a:latin typeface="Verdana" panose="020B0604030504040204" pitchFamily="34" charset="0"/>
                 <a:ea typeface="Verdana" panose="020B0604030504040204" pitchFamily="34" charset="0"/>
               </a:rPr>
-              <a:t>I – INTERFACE SEGREGATION PRINCIPLE</a:t>
+              <a:t>S – SINGLE RESPONSIBILITY PRINCINPLE</a:t>
             </a:r>
           </a:p>
           <a:p>
@@ -9924,7 +10010,67 @@
             <a:r>
               <a:rPr lang="en-US" dirty="0">
                 <a:solidFill>
-                  <a:schemeClr val="accent5"/>
+                  <a:schemeClr val="tx2">
+                    <a:lumMod val="20000"/>
+                    <a:lumOff val="80000"/>
+                  </a:schemeClr>
+                </a:solidFill>
+                <a:latin typeface="Verdana" panose="020B0604030504040204" pitchFamily="34" charset="0"/>
+                <a:ea typeface="Verdana" panose="020B0604030504040204" pitchFamily="34" charset="0"/>
+              </a:rPr>
+              <a:t>O – OPEN CLOSED PRINCIPLE</a:t>
+            </a:r>
+          </a:p>
+          <a:p>
+            <a:pPr marL="285750" indent="-285750">
+              <a:buFont typeface="Arial" panose="020B0604020202020204" pitchFamily="34" charset="0"/>
+              <a:buChar char="•"/>
+            </a:pPr>
+            <a:r>
+              <a:rPr lang="en-US" dirty="0">
+                <a:solidFill>
+                  <a:schemeClr val="tx2">
+                    <a:lumMod val="20000"/>
+                    <a:lumOff val="80000"/>
+                  </a:schemeClr>
+                </a:solidFill>
+                <a:latin typeface="Verdana" panose="020B0604030504040204" pitchFamily="34" charset="0"/>
+                <a:ea typeface="Verdana" panose="020B0604030504040204" pitchFamily="34" charset="0"/>
+              </a:rPr>
+              <a:t>L – LISKOV SUBSTITUTION PRINCIPLE</a:t>
+            </a:r>
+          </a:p>
+          <a:p>
+            <a:pPr marL="285750" indent="-285750">
+              <a:buFont typeface="Arial" panose="020B0604020202020204" pitchFamily="34" charset="0"/>
+              <a:buChar char="•"/>
+            </a:pPr>
+            <a:r>
+              <a:rPr lang="en-US" dirty="0">
+                <a:solidFill>
+                  <a:schemeClr val="tx2">
+                    <a:lumMod val="20000"/>
+                    <a:lumOff val="80000"/>
+                  </a:schemeClr>
+                </a:solidFill>
+                <a:latin typeface="Verdana" panose="020B0604030504040204" pitchFamily="34" charset="0"/>
+                <a:ea typeface="Verdana" panose="020B0604030504040204" pitchFamily="34" charset="0"/>
+              </a:rPr>
+              <a:t>I – INTERFACE SEGREGATION PRINCIPLE</a:t>
+            </a:r>
+          </a:p>
+          <a:p>
+            <a:pPr marL="285750" indent="-285750">
+              <a:buFont typeface="Arial" panose="020B0604020202020204" pitchFamily="34" charset="0"/>
+              <a:buChar char="•"/>
+            </a:pPr>
+            <a:r>
+              <a:rPr lang="en-US" dirty="0">
+                <a:solidFill>
+                  <a:schemeClr val="tx2">
+                    <a:lumMod val="20000"/>
+                    <a:lumOff val="80000"/>
+                  </a:schemeClr>
                 </a:solidFill>
                 <a:latin typeface="Verdana" panose="020B0604030504040204" pitchFamily="34" charset="0"/>
                 <a:ea typeface="Verdana" panose="020B0604030504040204" pitchFamily="34" charset="0"/>
@@ -9932,38 +10078,34 @@
               <a:t>D – DEPENDENCY INVERSION PRINCIPLE</a:t>
             </a:r>
           </a:p>
-        </p:txBody>
-      </p:sp>
-      <p:pic>
-        <p:nvPicPr>
-          <p:cNvPr id="8" name="Picture Placeholder 7">
-            <a:extLst>
-              <a:ext uri="{FF2B5EF4-FFF2-40B4-BE49-F238E27FC236}">
-                <a16:creationId xmlns:a16="http://schemas.microsoft.com/office/drawing/2014/main" id="{749AD716-22D2-3A03-17D0-28EB7B98921B}"/>
-              </a:ext>
-            </a:extLst>
-          </p:cNvPr>
-          <p:cNvPicPr>
-            <a:picLocks noGrp="1" noChangeAspect="1"/>
-          </p:cNvPicPr>
-          <p:nvPr>
-            <p:ph type="pic" sz="quarter" idx="15"/>
-          </p:nvPr>
-        </p:nvPicPr>
-        <p:blipFill>
-          <a:blip r:embed="rId2"/>
-          <a:srcRect t="1218" b="1218"/>
-          <a:stretch>
-            <a:fillRect/>
-          </a:stretch>
-        </p:blipFill>
-        <p:spPr>
-          <a:xfrm>
-            <a:off x="6669247" y="569167"/>
-            <a:ext cx="5072062" cy="6018245"/>
-          </a:xfrm>
-        </p:spPr>
-      </p:pic>
+          <a:p>
+            <a:pPr marL="285750" indent="-285750">
+              <a:buFont typeface="Arial" panose="020B0604020202020204" pitchFamily="34" charset="0"/>
+              <a:buChar char="•"/>
+            </a:pPr>
+            <a:endParaRPr lang="en-US" dirty="0">
+              <a:solidFill>
+                <a:schemeClr val="accent5"/>
+              </a:solidFill>
+              <a:latin typeface="Verdana" panose="020B0604030504040204" pitchFamily="34" charset="0"/>
+              <a:ea typeface="Verdana" panose="020B0604030504040204" pitchFamily="34" charset="0"/>
+            </a:endParaRPr>
+          </a:p>
+          <a:p>
+            <a:pPr marL="285750" indent="-285750">
+              <a:buFont typeface="Arial" panose="020B0604020202020204" pitchFamily="34" charset="0"/>
+              <a:buChar char="•"/>
+            </a:pPr>
+            <a:endParaRPr lang="en-US" dirty="0">
+              <a:solidFill>
+                <a:schemeClr val="accent5"/>
+              </a:solidFill>
+              <a:latin typeface="Verdana" panose="020B0604030504040204" pitchFamily="34" charset="0"/>
+              <a:ea typeface="Verdana" panose="020B0604030504040204" pitchFamily="34" charset="0"/>
+            </a:endParaRPr>
+          </a:p>
+        </p:txBody>
+      </p:sp>
     </p:spTree>
     <p:extLst>
       <p:ext uri="{BB962C8B-B14F-4D97-AF65-F5344CB8AC3E}">
@@ -10021,10 +10163,10 @@
           <a:lstStyle/>
           <a:p>
             <a:r>
-              <a:rPr lang="en-US" dirty="0"/>
+              <a:rPr lang="en-US" b="1" dirty="0"/>
               <a:t>SINGLE RESPONSIBILITY PRINCIPLE</a:t>
             </a:r>
-            <a:endParaRPr lang="en-IN" b="0" i="0" dirty="0">
+            <a:endParaRPr lang="en-IN" b="1" i="0" dirty="0">
               <a:effectLst/>
               <a:latin typeface="Segoe UI" panose="020B0502040204020203" pitchFamily="34" charset="0"/>
             </a:endParaRPr>
